--- a/CQRS.pptx
+++ b/CQRS.pptx
@@ -250,7 +250,7 @@
             <a:pPr rtl="0"/>
             <a:fld id="{9DA49006-DE92-401C-BC9A-E01A2E9A55AD}" type="datetime1">
               <a:rPr lang="es-ES" smtClean="0"/>
-              <a:t>27/04/2022</a:t>
+              <a:t>23/05/2022</a:t>
             </a:fld>
             <a:endParaRPr lang="es-ES"/>
           </a:p>
@@ -432,7 +432,7 @@
             <a:fld id="{DEDD2296-4015-4C4F-A06C-A353B4B3F106}" type="datetime1">
               <a:rPr lang="es-ES" smtClean="0"/>
               <a:pPr/>
-              <a:t>27/04/2022</a:t>
+              <a:t>23/05/2022</a:t>
             </a:fld>
             <a:endParaRPr lang="es-ES" dirty="0"/>
           </a:p>
@@ -17613,19 +17613,33 @@
         <p:spPr>
           <a:xfrm>
             <a:off x="1457294" y="1230254"/>
-            <a:ext cx="9277412" cy="1528846"/>
+            <a:ext cx="9277412" cy="1647170"/>
           </a:xfrm>
         </p:spPr>
         <p:txBody>
           <a:bodyPr rtlCol="0">
-            <a:normAutofit fontScale="92500"/>
+            <a:normAutofit fontScale="85000" lnSpcReduction="10000"/>
           </a:bodyPr>
           <a:lstStyle/>
           <a:p>
             <a:pPr algn="l" rtl="0"/>
             <a:r>
               <a:rPr lang="es-ES" dirty="0"/>
-              <a:t>En las arquitecturas tradicionales, se utiliza el mismo modelo de datos para consultar y actualizar una base de datos. Es sencillo y funciona bien para las operaciones CRUD básicas. Sin embargo, en aplicaciones más complejas, este enfoque puede resultar difícil de manejar. Por ejemplo, en el lado de lectura, la aplicación puede realizar muchas consultas diferentes y devolver objetos de transferencia de datos (DTO) con distintas formas. La asignación de objetos puede llegar a ser algo complicado. En el lado de escritura, el modelo puede implementar una validación y una lógica de negocios complejas. En consecuencia, puede acabar con un modelo excesivamente complejo que haga demasiado. Las cargas de trabajo de lectura y escritura suelen ser asimétricas, con requisitos de rendimiento y escalabilidad muy diferentes.</a:t>
+              <a:t>En las arquitecturas tradicionales, se utiliza el mismo modelo de datos para consultar y actualizar una base de datos. Es sencillo y funciona bien para las operaciones CRUD básicas. Sin embargo, en aplicaciones más complejas, este enfoque puede resultar difícil de manejar. Por ejemplo, en el lado de lectura, la aplicación puede realizar muchas consultas diferentes y devolver objetos de transferencia de datos (DTO) con distintas formas. La asignación de estos objetos puede llegar a ser algo complicado. </a:t>
+            </a:r>
+          </a:p>
+          <a:p>
+            <a:pPr algn="l" rtl="0"/>
+            <a:r>
+              <a:rPr lang="es-ES" dirty="0"/>
+              <a:t>En el lado de escritura, el modelo puede implementar una validación y una lógica de negocios complejas. En consecuencia, puede acabar con un modelo excesivamente complejo que haga demasiado. </a:t>
+            </a:r>
+          </a:p>
+          <a:p>
+            <a:pPr algn="l" rtl="0"/>
+            <a:r>
+              <a:rPr lang="es-ES" dirty="0"/>
+              <a:t>Las cargas de trabajo de lectura y escritura suelen ser asimétricas, con requisitos de rendimiento y escalabilidad muy diferentes.</a:t>
             </a:r>
           </a:p>
         </p:txBody>
@@ -17674,7 +17688,7 @@
             </a:pPr>
             <a:r>
               <a:rPr lang="es-ES" sz="1300" dirty="0"/>
-              <a:t>La contención de datos puede producirse cuando las operaciones se realizan en paralelo en el mismo conjunto de datos.</a:t>
+              <a:t>La contención de bloqueos de datos puede producirse cuando las operaciones se realizan en paralelo en el mismo conjunto de datos.</a:t>
             </a:r>
           </a:p>
           <a:p>
@@ -17684,7 +17698,7 @@
             </a:pPr>
             <a:r>
               <a:rPr lang="es-ES" sz="1300" dirty="0"/>
-              <a:t>El enfoque tradicional puede tener un impacto negativo en el rendimiento debido a la carga en el almacén de datos y al nivel de acceso a los datos, y la complejidad de las consultas necesarias para recuperar la información.</a:t>
+              <a:t>El enfoque tradicional puede tener un impacto negativo en el rendimiento debido a la carga en el almacén de datos y al nivel de acceso a los datos, y la complejidad en las consultas necesarias para recuperar la información.</a:t>
             </a:r>
           </a:p>
           <a:p>
@@ -18218,7 +18232,7 @@
             </a:pPr>
             <a:r>
               <a:rPr lang="es-ES" dirty="0"/>
-              <a:t>No devuelven nada</a:t>
+              <a:t>No devuelven datos</a:t>
             </a:r>
           </a:p>
         </p:txBody>
@@ -18888,8 +18902,13 @@
             </a:pPr>
             <a:r>
               <a:rPr lang="es-ES" dirty="0"/>
-              <a:t>Devuelve una respuesta</a:t>
-            </a:r>
+              <a:t>Devuelven datos de </a:t>
+            </a:r>
+            <a:r>
+              <a:rPr lang="es-ES" dirty="0" err="1"/>
+              <a:t>domio</a:t>
+            </a:r>
+            <a:endParaRPr lang="es-ES" dirty="0"/>
           </a:p>
         </p:txBody>
       </p:sp>
@@ -19873,7 +19892,7 @@
             </a:pPr>
             <a:r>
               <a:rPr lang="es-ES" sz="2400" dirty="0"/>
-              <a:t>Separación de Intereses, la separación de los lados de lectura y escritura pueden dar como resultado modelos más fáciles de mantener y flexibles. La mayor parte de la lógica empresarial compleja entra en el modelo de escritura. El modelo de escritura puede ser relativamente simple.</a:t>
+              <a:t>Separación de Intereses, la separación de los lados de lectura y escritura pueden dar como resultado modelos más fáciles de mantener y flexibles. La mayor parte de la lógica empresarial compleja entra en el modelo de escritura. El modelo de lectura puede ser relativamente simple.</a:t>
             </a:r>
           </a:p>
         </p:txBody>
@@ -21511,15 +21530,6 @@
 </file>
 
 <file path=customXml/item1.xml><?xml version="1.0" encoding="utf-8"?>
-<?mso-contentType ?>
-<FormTemplates xmlns="http://schemas.microsoft.com/sharepoint/v3/contenttype/forms">
-  <Display>DocumentLibraryForm</Display>
-  <Edit>DocumentLibraryForm</Edit>
-  <New>DocumentLibraryForm</New>
-</FormTemplates>
-</file>
-
-<file path=customXml/item2.xml><?xml version="1.0" encoding="utf-8"?>
 <ct:contentTypeSchema xmlns:ct="http://schemas.microsoft.com/office/2006/metadata/contentType" xmlns:ma="http://schemas.microsoft.com/office/2006/metadata/properties/metaAttributes" ct:_="" ma:_="" ma:contentTypeName="Document" ma:contentTypeID="0x01010079F111ED35F8CC479449609E8A0923A6" ma:contentTypeVersion="20" ma:contentTypeDescription="Create a new document." ma:contentTypeScope="" ma:versionID="1267097ee5f5874adfcc408041ae252e">
   <xsd:schema xmlns:xsd="http://www.w3.org/2001/XMLSchema" xmlns:xs="http://www.w3.org/2001/XMLSchema" xmlns:p="http://schemas.microsoft.com/office/2006/metadata/properties" xmlns:ns1="http://schemas.microsoft.com/sharepoint/v3" xmlns:ns2="71af3243-3dd4-4a8d-8c0d-dd76da1f02a5" xmlns:ns3="16c05727-aa75-4e4a-9b5f-8a80a1165891" xmlns:ns4="230e9df3-be65-4c73-a93b-d1236ebd677e" targetNamespace="http://schemas.microsoft.com/office/2006/metadata/properties" ma:root="true" ma:fieldsID="395891a93df65b14727750f2c06c306c" ns1:_="" ns2:_="" ns3:_="" ns4:_="">
     <xsd:import namespace="http://schemas.microsoft.com/sharepoint/v3"/>
@@ -21795,6 +21805,15 @@
 </ct:contentTypeSchema>
 </file>
 
+<file path=customXml/item2.xml><?xml version="1.0" encoding="utf-8"?>
+<?mso-contentType ?>
+<FormTemplates xmlns="http://schemas.microsoft.com/sharepoint/v3/contenttype/forms">
+  <Display>DocumentLibraryForm</Display>
+  <Edit>DocumentLibraryForm</Edit>
+  <New>DocumentLibraryForm</New>
+</FormTemplates>
+</file>
+
 <file path=customXml/item3.xml><?xml version="1.0" encoding="utf-8"?>
 <p:properties xmlns:p="http://schemas.microsoft.com/office/2006/metadata/properties" xmlns:xsi="http://www.w3.org/2001/XMLSchema-instance" xmlns:pc="http://schemas.microsoft.com/office/infopath/2007/PartnerControls">
   <documentManagement>
@@ -21815,14 +21834,6 @@
 </file>
 
 <file path=customXml/itemProps1.xml><?xml version="1.0" encoding="utf-8"?>
-<ds:datastoreItem xmlns:ds="http://schemas.openxmlformats.org/officeDocument/2006/customXml" ds:itemID="{2D446390-8521-40A2-A462-EA068123BED9}">
-  <ds:schemaRefs>
-    <ds:schemaRef ds:uri="http://schemas.microsoft.com/sharepoint/v3/contenttype/forms"/>
-  </ds:schemaRefs>
-</ds:datastoreItem>
-</file>
-
-<file path=customXml/itemProps2.xml><?xml version="1.0" encoding="utf-8"?>
 <ds:datastoreItem xmlns:ds="http://schemas.openxmlformats.org/officeDocument/2006/customXml" ds:itemID="{01E84A1C-2814-43A7-9448-348326113A45}">
   <ds:schemaRefs>
     <ds:schemaRef ds:uri="http://schemas.microsoft.com/office/2006/metadata/contentType"/>
@@ -21839,6 +21850,14 @@
     <ds:schemaRef ds:uri="http://purl.org/dc/elements/1.1/"/>
     <ds:schemaRef ds:uri="http://purl.org/dc/terms/"/>
     <ds:schemaRef ds:uri="http://schemas.microsoft.com/internal/obd"/>
+  </ds:schemaRefs>
+</ds:datastoreItem>
+</file>
+
+<file path=customXml/itemProps2.xml><?xml version="1.0" encoding="utf-8"?>
+<ds:datastoreItem xmlns:ds="http://schemas.openxmlformats.org/officeDocument/2006/customXml" ds:itemID="{2D446390-8521-40A2-A462-EA068123BED9}">
+  <ds:schemaRefs>
+    <ds:schemaRef ds:uri="http://schemas.microsoft.com/sharepoint/v3/contenttype/forms"/>
   </ds:schemaRefs>
 </ds:datastoreItem>
 </file>
